--- a/reports/Gradient Figure.pptx
+++ b/reports/Gradient Figure.pptx
@@ -6,6 +6,8 @@
   </p:sldMasterIdLst>
   <p:sldIdLst>
     <p:sldId id="256" r:id="rId2"/>
+    <p:sldId id="258" r:id="rId3"/>
+    <p:sldId id="257" r:id="rId4"/>
   </p:sldIdLst>
   <p:sldSz cx="12192000" cy="6858000"/>
   <p:notesSz cx="6858000" cy="9144000"/>
@@ -259,7 +261,7 @@
           <a:p>
             <a:fld id="{D2F6672C-5630-492F-9A58-98A069B47031}" type="datetimeFigureOut">
               <a:rPr lang="en-US" smtClean="0"/>
-              <a:t>12/19/2019</a:t>
+              <a:t>1/13/2020</a:t>
             </a:fld>
             <a:endParaRPr lang="en-US"/>
           </a:p>
@@ -457,7 +459,7 @@
           <a:p>
             <a:fld id="{D2F6672C-5630-492F-9A58-98A069B47031}" type="datetimeFigureOut">
               <a:rPr lang="en-US" smtClean="0"/>
-              <a:t>12/19/2019</a:t>
+              <a:t>1/13/2020</a:t>
             </a:fld>
             <a:endParaRPr lang="en-US"/>
           </a:p>
@@ -665,7 +667,7 @@
           <a:p>
             <a:fld id="{D2F6672C-5630-492F-9A58-98A069B47031}" type="datetimeFigureOut">
               <a:rPr lang="en-US" smtClean="0"/>
-              <a:t>12/19/2019</a:t>
+              <a:t>1/13/2020</a:t>
             </a:fld>
             <a:endParaRPr lang="en-US"/>
           </a:p>
@@ -863,7 +865,7 @@
           <a:p>
             <a:fld id="{D2F6672C-5630-492F-9A58-98A069B47031}" type="datetimeFigureOut">
               <a:rPr lang="en-US" smtClean="0"/>
-              <a:t>12/19/2019</a:t>
+              <a:t>1/13/2020</a:t>
             </a:fld>
             <a:endParaRPr lang="en-US"/>
           </a:p>
@@ -1138,7 +1140,7 @@
           <a:p>
             <a:fld id="{D2F6672C-5630-492F-9A58-98A069B47031}" type="datetimeFigureOut">
               <a:rPr lang="en-US" smtClean="0"/>
-              <a:t>12/19/2019</a:t>
+              <a:t>1/13/2020</a:t>
             </a:fld>
             <a:endParaRPr lang="en-US"/>
           </a:p>
@@ -1403,7 +1405,7 @@
           <a:p>
             <a:fld id="{D2F6672C-5630-492F-9A58-98A069B47031}" type="datetimeFigureOut">
               <a:rPr lang="en-US" smtClean="0"/>
-              <a:t>12/19/2019</a:t>
+              <a:t>1/13/2020</a:t>
             </a:fld>
             <a:endParaRPr lang="en-US"/>
           </a:p>
@@ -1815,7 +1817,7 @@
           <a:p>
             <a:fld id="{D2F6672C-5630-492F-9A58-98A069B47031}" type="datetimeFigureOut">
               <a:rPr lang="en-US" smtClean="0"/>
-              <a:t>12/19/2019</a:t>
+              <a:t>1/13/2020</a:t>
             </a:fld>
             <a:endParaRPr lang="en-US"/>
           </a:p>
@@ -1956,7 +1958,7 @@
           <a:p>
             <a:fld id="{D2F6672C-5630-492F-9A58-98A069B47031}" type="datetimeFigureOut">
               <a:rPr lang="en-US" smtClean="0"/>
-              <a:t>12/19/2019</a:t>
+              <a:t>1/13/2020</a:t>
             </a:fld>
             <a:endParaRPr lang="en-US"/>
           </a:p>
@@ -2069,7 +2071,7 @@
           <a:p>
             <a:fld id="{D2F6672C-5630-492F-9A58-98A069B47031}" type="datetimeFigureOut">
               <a:rPr lang="en-US" smtClean="0"/>
-              <a:t>12/19/2019</a:t>
+              <a:t>1/13/2020</a:t>
             </a:fld>
             <a:endParaRPr lang="en-US"/>
           </a:p>
@@ -2380,7 +2382,7 @@
           <a:p>
             <a:fld id="{D2F6672C-5630-492F-9A58-98A069B47031}" type="datetimeFigureOut">
               <a:rPr lang="en-US" smtClean="0"/>
-              <a:t>12/19/2019</a:t>
+              <a:t>1/13/2020</a:t>
             </a:fld>
             <a:endParaRPr lang="en-US"/>
           </a:p>
@@ -2668,7 +2670,7 @@
           <a:p>
             <a:fld id="{D2F6672C-5630-492F-9A58-98A069B47031}" type="datetimeFigureOut">
               <a:rPr lang="en-US" smtClean="0"/>
-              <a:t>12/19/2019</a:t>
+              <a:t>1/13/2020</a:t>
             </a:fld>
             <a:endParaRPr lang="en-US"/>
           </a:p>
@@ -2909,7 +2911,7 @@
           <a:p>
             <a:fld id="{D2F6672C-5630-492F-9A58-98A069B47031}" type="datetimeFigureOut">
               <a:rPr lang="en-US" smtClean="0"/>
-              <a:t>12/19/2019</a:t>
+              <a:t>1/13/2020</a:t>
             </a:fld>
             <a:endParaRPr lang="en-US"/>
           </a:p>
@@ -3652,10 +3654,1142 @@
           </a:p>
         </p:txBody>
       </p:sp>
+      <p:sp>
+        <p:nvSpPr>
+          <p:cNvPr id="3" name="TextBox 2">
+            <a:extLst>
+              <a:ext uri="{FF2B5EF4-FFF2-40B4-BE49-F238E27FC236}">
+                <a16:creationId xmlns:a16="http://schemas.microsoft.com/office/drawing/2014/main" id="{10319464-7856-4973-9951-A6FF6A192A20}"/>
+              </a:ext>
+            </a:extLst>
+          </p:cNvPr>
+          <p:cNvSpPr txBox="1"/>
+          <p:nvPr/>
+        </p:nvSpPr>
+        <p:spPr>
+          <a:xfrm>
+            <a:off x="123825" y="219075"/>
+            <a:ext cx="6858000" cy="369332"/>
+          </a:xfrm>
+          <a:prstGeom prst="rect">
+            <a:avLst/>
+          </a:prstGeom>
+          <a:noFill/>
+        </p:spPr>
+        <p:txBody>
+          <a:bodyPr wrap="square" rtlCol="0">
+            <a:spAutoFit/>
+          </a:bodyPr>
+          <a:lstStyle/>
+          <a:p>
+            <a:r>
+              <a:rPr lang="en-US" dirty="0"/>
+              <a:t>6 Plot</a:t>
+            </a:r>
+          </a:p>
+        </p:txBody>
+      </p:sp>
     </p:spTree>
     <p:extLst>
       <p:ext uri="{BB962C8B-B14F-4D97-AF65-F5344CB8AC3E}">
         <p14:creationId xmlns:p14="http://schemas.microsoft.com/office/powerpoint/2010/main" val="686845371"/>
+      </p:ext>
+    </p:extLst>
+  </p:cSld>
+  <p:clrMapOvr>
+    <a:masterClrMapping/>
+  </p:clrMapOvr>
+</p:sld>
+</file>
+
+<file path=ppt/slides/slide2.xml><?xml version="1.0" encoding="utf-8"?>
+<p:sld xmlns:a="http://schemas.openxmlformats.org/drawingml/2006/main" xmlns:r="http://schemas.openxmlformats.org/officeDocument/2006/relationships" xmlns:p="http://schemas.openxmlformats.org/presentationml/2006/main">
+  <p:cSld>
+    <p:spTree>
+      <p:nvGrpSpPr>
+        <p:cNvPr id="1" name=""/>
+        <p:cNvGrpSpPr/>
+        <p:nvPr/>
+      </p:nvGrpSpPr>
+      <p:grpSpPr>
+        <a:xfrm>
+          <a:off x="0" y="0"/>
+          <a:ext cx="0" cy="0"/>
+          <a:chOff x="0" y="0"/>
+          <a:chExt cx="0" cy="0"/>
+        </a:xfrm>
+      </p:grpSpPr>
+      <p:sp>
+        <p:nvSpPr>
+          <p:cNvPr id="4" name="TextBox 3">
+            <a:extLst>
+              <a:ext uri="{FF2B5EF4-FFF2-40B4-BE49-F238E27FC236}">
+                <a16:creationId xmlns:a16="http://schemas.microsoft.com/office/drawing/2014/main" id="{603FF7A9-5124-4DED-9B81-78FD62D38B42}"/>
+              </a:ext>
+            </a:extLst>
+          </p:cNvPr>
+          <p:cNvSpPr txBox="1"/>
+          <p:nvPr/>
+        </p:nvSpPr>
+        <p:spPr>
+          <a:xfrm>
+            <a:off x="2408219" y="1313676"/>
+            <a:ext cx="1366787" cy="307777"/>
+          </a:xfrm>
+          <a:prstGeom prst="rect">
+            <a:avLst/>
+          </a:prstGeom>
+          <a:noFill/>
+        </p:spPr>
+        <p:txBody>
+          <a:bodyPr wrap="square" rtlCol="0">
+            <a:spAutoFit/>
+          </a:bodyPr>
+          <a:lstStyle/>
+          <a:p>
+            <a:pPr algn="ctr"/>
+            <a:r>
+              <a:rPr lang="en-US" sz="1400" b="1" dirty="0">
+                <a:latin typeface="Times New Roman" panose="02020603050405020304" pitchFamily="18" charset="0"/>
+                <a:cs typeface="Times New Roman" panose="02020603050405020304" pitchFamily="18" charset="0"/>
+              </a:rPr>
+              <a:t>Compassion</a:t>
+            </a:r>
+          </a:p>
+        </p:txBody>
+      </p:sp>
+      <p:sp>
+        <p:nvSpPr>
+          <p:cNvPr id="6" name="TextBox 5">
+            <a:extLst>
+              <a:ext uri="{FF2B5EF4-FFF2-40B4-BE49-F238E27FC236}">
+                <a16:creationId xmlns:a16="http://schemas.microsoft.com/office/drawing/2014/main" id="{442ACFF3-B723-4F6C-A926-94A77EBB7967}"/>
+              </a:ext>
+            </a:extLst>
+          </p:cNvPr>
+          <p:cNvSpPr txBox="1"/>
+          <p:nvPr/>
+        </p:nvSpPr>
+        <p:spPr>
+          <a:xfrm>
+            <a:off x="5037693" y="1313676"/>
+            <a:ext cx="1366787" cy="318819"/>
+          </a:xfrm>
+          <a:prstGeom prst="rect">
+            <a:avLst/>
+          </a:prstGeom>
+          <a:noFill/>
+        </p:spPr>
+        <p:txBody>
+          <a:bodyPr wrap="square" rtlCol="0">
+            <a:spAutoFit/>
+          </a:bodyPr>
+          <a:lstStyle/>
+          <a:p>
+            <a:pPr algn="ctr"/>
+            <a:r>
+              <a:rPr lang="en-US" sz="1400" b="1" dirty="0">
+                <a:latin typeface="Times New Roman" panose="02020603050405020304" pitchFamily="18" charset="0"/>
+                <a:cs typeface="Times New Roman" panose="02020603050405020304" pitchFamily="18" charset="0"/>
+              </a:rPr>
+              <a:t>Resting State</a:t>
+            </a:r>
+          </a:p>
+        </p:txBody>
+      </p:sp>
+      <p:sp>
+        <p:nvSpPr>
+          <p:cNvPr id="7" name="TextBox 6">
+            <a:extLst>
+              <a:ext uri="{FF2B5EF4-FFF2-40B4-BE49-F238E27FC236}">
+                <a16:creationId xmlns:a16="http://schemas.microsoft.com/office/drawing/2014/main" id="{5599879C-38B2-45C6-BAAF-5068DFC809E5}"/>
+              </a:ext>
+            </a:extLst>
+          </p:cNvPr>
+          <p:cNvSpPr txBox="1"/>
+          <p:nvPr/>
+        </p:nvSpPr>
+        <p:spPr>
+          <a:xfrm>
+            <a:off x="7547549" y="1307155"/>
+            <a:ext cx="1609830" cy="307777"/>
+          </a:xfrm>
+          <a:prstGeom prst="rect">
+            <a:avLst/>
+          </a:prstGeom>
+          <a:noFill/>
+        </p:spPr>
+        <p:txBody>
+          <a:bodyPr wrap="square" rtlCol="0">
+            <a:spAutoFit/>
+          </a:bodyPr>
+          <a:lstStyle/>
+          <a:p>
+            <a:pPr algn="ctr"/>
+            <a:r>
+              <a:rPr lang="en-US" sz="1400" b="1" dirty="0">
+                <a:latin typeface="Times New Roman" panose="02020603050405020304" pitchFamily="18" charset="0"/>
+                <a:cs typeface="Times New Roman" panose="02020603050405020304" pitchFamily="18" charset="0"/>
+              </a:rPr>
+              <a:t>Open Monitoring</a:t>
+            </a:r>
+          </a:p>
+        </p:txBody>
+      </p:sp>
+      <p:sp>
+        <p:nvSpPr>
+          <p:cNvPr id="8" name="TextBox 7">
+            <a:extLst>
+              <a:ext uri="{FF2B5EF4-FFF2-40B4-BE49-F238E27FC236}">
+                <a16:creationId xmlns:a16="http://schemas.microsoft.com/office/drawing/2014/main" id="{690BCBE5-6CB6-4C7A-9D9F-FB5CC17F412D}"/>
+              </a:ext>
+            </a:extLst>
+          </p:cNvPr>
+          <p:cNvSpPr txBox="1"/>
+          <p:nvPr/>
+        </p:nvSpPr>
+        <p:spPr>
+          <a:xfrm>
+            <a:off x="572254" y="2283203"/>
+            <a:ext cx="1371601" cy="307777"/>
+          </a:xfrm>
+          <a:prstGeom prst="rect">
+            <a:avLst/>
+          </a:prstGeom>
+          <a:noFill/>
+        </p:spPr>
+        <p:txBody>
+          <a:bodyPr wrap="square" rtlCol="0">
+            <a:spAutoFit/>
+          </a:bodyPr>
+          <a:lstStyle/>
+          <a:p>
+            <a:pPr algn="ctr"/>
+            <a:r>
+              <a:rPr lang="en-US" sz="1400" b="1" dirty="0">
+                <a:latin typeface="Times New Roman" panose="02020603050405020304" pitchFamily="18" charset="0"/>
+                <a:cs typeface="Times New Roman" panose="02020603050405020304" pitchFamily="18" charset="0"/>
+              </a:rPr>
+              <a:t>Raw Scale</a:t>
+            </a:r>
+          </a:p>
+        </p:txBody>
+      </p:sp>
+      <p:sp>
+        <p:nvSpPr>
+          <p:cNvPr id="9" name="TextBox 8">
+            <a:extLst>
+              <a:ext uri="{FF2B5EF4-FFF2-40B4-BE49-F238E27FC236}">
+                <a16:creationId xmlns:a16="http://schemas.microsoft.com/office/drawing/2014/main" id="{4C0F68BC-AF72-4D36-AB85-60A2281CB5C9}"/>
+              </a:ext>
+            </a:extLst>
+          </p:cNvPr>
+          <p:cNvSpPr txBox="1"/>
+          <p:nvPr/>
+        </p:nvSpPr>
+        <p:spPr>
+          <a:xfrm>
+            <a:off x="669084" y="3754035"/>
+            <a:ext cx="1177942" cy="738664"/>
+          </a:xfrm>
+          <a:prstGeom prst="rect">
+            <a:avLst/>
+          </a:prstGeom>
+          <a:noFill/>
+        </p:spPr>
+        <p:txBody>
+          <a:bodyPr wrap="square" rtlCol="0">
+            <a:spAutoFit/>
+          </a:bodyPr>
+          <a:lstStyle/>
+          <a:p>
+            <a:pPr algn="ctr"/>
+            <a:r>
+              <a:rPr lang="en-US" sz="1400" b="1" dirty="0">
+                <a:latin typeface="Times New Roman" panose="02020603050405020304" pitchFamily="18" charset="0"/>
+                <a:cs typeface="Times New Roman" panose="02020603050405020304" pitchFamily="18" charset="0"/>
+              </a:rPr>
+              <a:t>Normalized by pooled sample std</a:t>
+            </a:r>
+          </a:p>
+        </p:txBody>
+      </p:sp>
+      <p:sp>
+        <p:nvSpPr>
+          <p:cNvPr id="3" name="TextBox 2">
+            <a:extLst>
+              <a:ext uri="{FF2B5EF4-FFF2-40B4-BE49-F238E27FC236}">
+                <a16:creationId xmlns:a16="http://schemas.microsoft.com/office/drawing/2014/main" id="{10319464-7856-4973-9951-A6FF6A192A20}"/>
+              </a:ext>
+            </a:extLst>
+          </p:cNvPr>
+          <p:cNvSpPr txBox="1"/>
+          <p:nvPr/>
+        </p:nvSpPr>
+        <p:spPr>
+          <a:xfrm>
+            <a:off x="123825" y="219075"/>
+            <a:ext cx="6858000" cy="369332"/>
+          </a:xfrm>
+          <a:prstGeom prst="rect">
+            <a:avLst/>
+          </a:prstGeom>
+          <a:noFill/>
+        </p:spPr>
+        <p:txBody>
+          <a:bodyPr wrap="square" rtlCol="0">
+            <a:spAutoFit/>
+          </a:bodyPr>
+          <a:lstStyle/>
+          <a:p>
+            <a:r>
+              <a:rPr lang="en-US" dirty="0"/>
+              <a:t>6 Plot Differences</a:t>
+            </a:r>
+          </a:p>
+        </p:txBody>
+      </p:sp>
+      <p:pic>
+        <p:nvPicPr>
+          <p:cNvPr id="16" name="Picture 15" descr="A picture containing object, clock&#10;&#10;Description automatically generated">
+            <a:extLst>
+              <a:ext uri="{FF2B5EF4-FFF2-40B4-BE49-F238E27FC236}">
+                <a16:creationId xmlns:a16="http://schemas.microsoft.com/office/drawing/2014/main" id="{B668B8F9-C051-46E9-A990-DBFBDD4C88F7}"/>
+              </a:ext>
+            </a:extLst>
+          </p:cNvPr>
+          <p:cNvPicPr>
+            <a:picLocks noChangeAspect="1"/>
+          </p:cNvPicPr>
+          <p:nvPr/>
+        </p:nvPicPr>
+        <p:blipFill>
+          <a:blip r:embed="rId2">
+            <a:extLst>
+              <a:ext uri="{28A0092B-C50C-407E-A947-70E740481C1C}">
+                <a14:useLocalDpi xmlns:a14="http://schemas.microsoft.com/office/drawing/2010/main" val="0"/>
+              </a:ext>
+            </a:extLst>
+          </a:blip>
+          <a:stretch>
+            <a:fillRect/>
+          </a:stretch>
+        </p:blipFill>
+        <p:spPr>
+          <a:xfrm>
+            <a:off x="9583206" y="3303222"/>
+            <a:ext cx="418635" cy="1640290"/>
+          </a:xfrm>
+          <a:prstGeom prst="rect">
+            <a:avLst/>
+          </a:prstGeom>
+        </p:spPr>
+      </p:pic>
+      <p:pic>
+        <p:nvPicPr>
+          <p:cNvPr id="30" name="Picture 29" descr="A picture containing drawing&#10;&#10;Description automatically generated">
+            <a:extLst>
+              <a:ext uri="{FF2B5EF4-FFF2-40B4-BE49-F238E27FC236}">
+                <a16:creationId xmlns:a16="http://schemas.microsoft.com/office/drawing/2014/main" id="{C1211214-DF90-4739-8E28-111235576BA6}"/>
+              </a:ext>
+            </a:extLst>
+          </p:cNvPr>
+          <p:cNvPicPr>
+            <a:picLocks noChangeAspect="1"/>
+          </p:cNvPicPr>
+          <p:nvPr/>
+        </p:nvPicPr>
+        <p:blipFill>
+          <a:blip r:embed="rId3">
+            <a:extLst>
+              <a:ext uri="{28A0092B-C50C-407E-A947-70E740481C1C}">
+                <a14:useLocalDpi xmlns:a14="http://schemas.microsoft.com/office/drawing/2010/main" val="0"/>
+              </a:ext>
+            </a:extLst>
+          </a:blip>
+          <a:stretch>
+            <a:fillRect/>
+          </a:stretch>
+        </p:blipFill>
+        <p:spPr>
+          <a:xfrm>
+            <a:off x="9583206" y="1617015"/>
+            <a:ext cx="418635" cy="1640288"/>
+          </a:xfrm>
+          <a:prstGeom prst="rect">
+            <a:avLst/>
+          </a:prstGeom>
+        </p:spPr>
+      </p:pic>
+      <p:pic>
+        <p:nvPicPr>
+          <p:cNvPr id="1031" name="Picture 1030" descr="A picture containing holding, food, people&#10;&#10;Description automatically generated">
+            <a:extLst>
+              <a:ext uri="{FF2B5EF4-FFF2-40B4-BE49-F238E27FC236}">
+                <a16:creationId xmlns:a16="http://schemas.microsoft.com/office/drawing/2014/main" id="{8FCB6A08-F01A-4A1D-87B0-4BD49C3F1A32}"/>
+              </a:ext>
+            </a:extLst>
+          </p:cNvPr>
+          <p:cNvPicPr>
+            <a:picLocks noChangeAspect="1"/>
+          </p:cNvPicPr>
+          <p:nvPr/>
+        </p:nvPicPr>
+        <p:blipFill>
+          <a:blip r:embed="rId4">
+            <a:extLst>
+              <a:ext uri="{28A0092B-C50C-407E-A947-70E740481C1C}">
+                <a14:useLocalDpi xmlns:a14="http://schemas.microsoft.com/office/drawing/2010/main" val="0"/>
+              </a:ext>
+            </a:extLst>
+          </a:blip>
+          <a:stretch>
+            <a:fillRect/>
+          </a:stretch>
+        </p:blipFill>
+        <p:spPr>
+          <a:xfrm>
+            <a:off x="1847026" y="1617017"/>
+            <a:ext cx="2489171" cy="1640151"/>
+          </a:xfrm>
+          <a:prstGeom prst="rect">
+            <a:avLst/>
+          </a:prstGeom>
+        </p:spPr>
+      </p:pic>
+      <p:pic>
+        <p:nvPicPr>
+          <p:cNvPr id="1033" name="Picture 1032" descr="A picture containing food&#10;&#10;Description automatically generated">
+            <a:extLst>
+              <a:ext uri="{FF2B5EF4-FFF2-40B4-BE49-F238E27FC236}">
+                <a16:creationId xmlns:a16="http://schemas.microsoft.com/office/drawing/2014/main" id="{FB544079-686A-45CB-96D7-D279A9CC9BCF}"/>
+              </a:ext>
+            </a:extLst>
+          </p:cNvPr>
+          <p:cNvPicPr>
+            <a:picLocks noChangeAspect="1"/>
+          </p:cNvPicPr>
+          <p:nvPr/>
+        </p:nvPicPr>
+        <p:blipFill>
+          <a:blip r:embed="rId5">
+            <a:extLst>
+              <a:ext uri="{28A0092B-C50C-407E-A947-70E740481C1C}">
+                <a14:useLocalDpi xmlns:a14="http://schemas.microsoft.com/office/drawing/2010/main" val="0"/>
+              </a:ext>
+            </a:extLst>
+          </a:blip>
+          <a:stretch>
+            <a:fillRect/>
+          </a:stretch>
+        </p:blipFill>
+        <p:spPr>
+          <a:xfrm>
+            <a:off x="1847026" y="3303361"/>
+            <a:ext cx="2489171" cy="1640151"/>
+          </a:xfrm>
+          <a:prstGeom prst="rect">
+            <a:avLst/>
+          </a:prstGeom>
+        </p:spPr>
+      </p:pic>
+      <p:pic>
+        <p:nvPicPr>
+          <p:cNvPr id="1035" name="Picture 1034" descr="A picture containing holding, people, food, man&#10;&#10;Description automatically generated">
+            <a:extLst>
+              <a:ext uri="{FF2B5EF4-FFF2-40B4-BE49-F238E27FC236}">
+                <a16:creationId xmlns:a16="http://schemas.microsoft.com/office/drawing/2014/main" id="{2D7E3A49-F2CF-42FE-8F3F-A85141404C14}"/>
+              </a:ext>
+            </a:extLst>
+          </p:cNvPr>
+          <p:cNvPicPr>
+            <a:picLocks noChangeAspect="1"/>
+          </p:cNvPicPr>
+          <p:nvPr/>
+        </p:nvPicPr>
+        <p:blipFill>
+          <a:blip r:embed="rId6">
+            <a:extLst>
+              <a:ext uri="{28A0092B-C50C-407E-A947-70E740481C1C}">
+                <a14:useLocalDpi xmlns:a14="http://schemas.microsoft.com/office/drawing/2010/main" val="0"/>
+              </a:ext>
+            </a:extLst>
+          </a:blip>
+          <a:stretch>
+            <a:fillRect/>
+          </a:stretch>
+        </p:blipFill>
+        <p:spPr>
+          <a:xfrm>
+            <a:off x="4476502" y="1617015"/>
+            <a:ext cx="2489171" cy="1640152"/>
+          </a:xfrm>
+          <a:prstGeom prst="rect">
+            <a:avLst/>
+          </a:prstGeom>
+        </p:spPr>
+      </p:pic>
+      <p:pic>
+        <p:nvPicPr>
+          <p:cNvPr id="1037" name="Picture 1036" descr="A picture containing food&#10;&#10;Description automatically generated">
+            <a:extLst>
+              <a:ext uri="{FF2B5EF4-FFF2-40B4-BE49-F238E27FC236}">
+                <a16:creationId xmlns:a16="http://schemas.microsoft.com/office/drawing/2014/main" id="{EB502A2E-D753-4FA0-875E-509A57438CE2}"/>
+              </a:ext>
+            </a:extLst>
+          </p:cNvPr>
+          <p:cNvPicPr>
+            <a:picLocks noChangeAspect="1"/>
+          </p:cNvPicPr>
+          <p:nvPr/>
+        </p:nvPicPr>
+        <p:blipFill>
+          <a:blip r:embed="rId7">
+            <a:extLst>
+              <a:ext uri="{28A0092B-C50C-407E-A947-70E740481C1C}">
+                <a14:useLocalDpi xmlns:a14="http://schemas.microsoft.com/office/drawing/2010/main" val="0"/>
+              </a:ext>
+            </a:extLst>
+          </a:blip>
+          <a:stretch>
+            <a:fillRect/>
+          </a:stretch>
+        </p:blipFill>
+        <p:spPr>
+          <a:xfrm>
+            <a:off x="4476501" y="3303222"/>
+            <a:ext cx="2489171" cy="1640152"/>
+          </a:xfrm>
+          <a:prstGeom prst="rect">
+            <a:avLst/>
+          </a:prstGeom>
+        </p:spPr>
+      </p:pic>
+      <p:pic>
+        <p:nvPicPr>
+          <p:cNvPr id="1039" name="Picture 1038" descr="A picture containing holding, people, man, group&#10;&#10;Description automatically generated">
+            <a:extLst>
+              <a:ext uri="{FF2B5EF4-FFF2-40B4-BE49-F238E27FC236}">
+                <a16:creationId xmlns:a16="http://schemas.microsoft.com/office/drawing/2014/main" id="{3823CFA2-2E91-40E9-BD56-23CCB29C7A11}"/>
+              </a:ext>
+            </a:extLst>
+          </p:cNvPr>
+          <p:cNvPicPr>
+            <a:picLocks noChangeAspect="1"/>
+          </p:cNvPicPr>
+          <p:nvPr/>
+        </p:nvPicPr>
+        <p:blipFill>
+          <a:blip r:embed="rId8">
+            <a:extLst>
+              <a:ext uri="{28A0092B-C50C-407E-A947-70E740481C1C}">
+                <a14:useLocalDpi xmlns:a14="http://schemas.microsoft.com/office/drawing/2010/main" val="0"/>
+              </a:ext>
+            </a:extLst>
+          </a:blip>
+          <a:stretch>
+            <a:fillRect/>
+          </a:stretch>
+        </p:blipFill>
+        <p:spPr>
+          <a:xfrm>
+            <a:off x="7105977" y="1614932"/>
+            <a:ext cx="2489171" cy="1640152"/>
+          </a:xfrm>
+          <a:prstGeom prst="rect">
+            <a:avLst/>
+          </a:prstGeom>
+        </p:spPr>
+      </p:pic>
+      <p:pic>
+        <p:nvPicPr>
+          <p:cNvPr id="1041" name="Picture 1040" descr="A picture containing food&#10;&#10;Description automatically generated">
+            <a:extLst>
+              <a:ext uri="{FF2B5EF4-FFF2-40B4-BE49-F238E27FC236}">
+                <a16:creationId xmlns:a16="http://schemas.microsoft.com/office/drawing/2014/main" id="{4B840370-7609-4DAD-8F27-8D193961D6F1}"/>
+              </a:ext>
+            </a:extLst>
+          </p:cNvPr>
+          <p:cNvPicPr>
+            <a:picLocks noChangeAspect="1"/>
+          </p:cNvPicPr>
+          <p:nvPr/>
+        </p:nvPicPr>
+        <p:blipFill>
+          <a:blip r:embed="rId9">
+            <a:extLst>
+              <a:ext uri="{28A0092B-C50C-407E-A947-70E740481C1C}">
+                <a14:useLocalDpi xmlns:a14="http://schemas.microsoft.com/office/drawing/2010/main" val="0"/>
+              </a:ext>
+            </a:extLst>
+          </a:blip>
+          <a:stretch>
+            <a:fillRect/>
+          </a:stretch>
+        </p:blipFill>
+        <p:spPr>
+          <a:xfrm>
+            <a:off x="7105976" y="3254288"/>
+            <a:ext cx="2489171" cy="1640152"/>
+          </a:xfrm>
+          <a:prstGeom prst="rect">
+            <a:avLst/>
+          </a:prstGeom>
+        </p:spPr>
+      </p:pic>
+    </p:spTree>
+    <p:extLst>
+      <p:ext uri="{BB962C8B-B14F-4D97-AF65-F5344CB8AC3E}">
+        <p14:creationId xmlns:p14="http://schemas.microsoft.com/office/powerpoint/2010/main" val="1205720674"/>
+      </p:ext>
+    </p:extLst>
+  </p:cSld>
+  <p:clrMapOvr>
+    <a:masterClrMapping/>
+  </p:clrMapOvr>
+</p:sld>
+</file>
+
+<file path=ppt/slides/slide3.xml><?xml version="1.0" encoding="utf-8"?>
+<p:sld xmlns:a="http://schemas.openxmlformats.org/drawingml/2006/main" xmlns:r="http://schemas.openxmlformats.org/officeDocument/2006/relationships" xmlns:p="http://schemas.openxmlformats.org/presentationml/2006/main">
+  <p:cSld>
+    <p:spTree>
+      <p:nvGrpSpPr>
+        <p:cNvPr id="1" name=""/>
+        <p:cNvGrpSpPr/>
+        <p:nvPr/>
+      </p:nvGrpSpPr>
+      <p:grpSpPr>
+        <a:xfrm>
+          <a:off x="0" y="0"/>
+          <a:ext cx="0" cy="0"/>
+          <a:chOff x="0" y="0"/>
+          <a:chExt cx="0" cy="0"/>
+        </a:xfrm>
+      </p:grpSpPr>
+      <p:sp>
+        <p:nvSpPr>
+          <p:cNvPr id="4" name="TextBox 3">
+            <a:extLst>
+              <a:ext uri="{FF2B5EF4-FFF2-40B4-BE49-F238E27FC236}">
+                <a16:creationId xmlns:a16="http://schemas.microsoft.com/office/drawing/2014/main" id="{FAD1202C-5775-4EFB-9DEB-31B5E84D08D7}"/>
+              </a:ext>
+            </a:extLst>
+          </p:cNvPr>
+          <p:cNvSpPr txBox="1"/>
+          <p:nvPr/>
+        </p:nvSpPr>
+        <p:spPr>
+          <a:xfrm>
+            <a:off x="123825" y="67524"/>
+            <a:ext cx="6858000" cy="369332"/>
+          </a:xfrm>
+          <a:prstGeom prst="rect">
+            <a:avLst/>
+          </a:prstGeom>
+          <a:noFill/>
+        </p:spPr>
+        <p:txBody>
+          <a:bodyPr wrap="square" rtlCol="0">
+            <a:spAutoFit/>
+          </a:bodyPr>
+          <a:lstStyle/>
+          <a:p>
+            <a:r>
+              <a:rPr lang="en-US" dirty="0"/>
+              <a:t>Group Effects</a:t>
+            </a:r>
+          </a:p>
+        </p:txBody>
+      </p:sp>
+      <p:sp>
+        <p:nvSpPr>
+          <p:cNvPr id="16" name="TextBox 15">
+            <a:extLst>
+              <a:ext uri="{FF2B5EF4-FFF2-40B4-BE49-F238E27FC236}">
+                <a16:creationId xmlns:a16="http://schemas.microsoft.com/office/drawing/2014/main" id="{346FFC4E-A510-4BE9-8D65-BB9DF92C3ECA}"/>
+              </a:ext>
+            </a:extLst>
+          </p:cNvPr>
+          <p:cNvSpPr txBox="1"/>
+          <p:nvPr/>
+        </p:nvSpPr>
+        <p:spPr>
+          <a:xfrm>
+            <a:off x="5470516" y="649627"/>
+            <a:ext cx="2363804" cy="492443"/>
+          </a:xfrm>
+          <a:prstGeom prst="rect">
+            <a:avLst/>
+          </a:prstGeom>
+          <a:noFill/>
+        </p:spPr>
+        <p:txBody>
+          <a:bodyPr wrap="square" rtlCol="0">
+            <a:spAutoFit/>
+          </a:bodyPr>
+          <a:lstStyle/>
+          <a:p>
+            <a:pPr algn="ctr"/>
+            <a:r>
+              <a:rPr lang="en-US" sz="1400" b="1" dirty="0">
+                <a:latin typeface="Times New Roman" panose="02020603050405020304" pitchFamily="18" charset="0"/>
+                <a:cs typeface="Times New Roman" panose="02020603050405020304" pitchFamily="18" charset="0"/>
+              </a:rPr>
+              <a:t>All Experts vs. All Novices</a:t>
+            </a:r>
+          </a:p>
+          <a:p>
+            <a:pPr algn="ctr"/>
+            <a:r>
+              <a:rPr lang="en-US" sz="1200" dirty="0">
+                <a:latin typeface="Times New Roman" panose="02020603050405020304" pitchFamily="18" charset="0"/>
+                <a:cs typeface="Times New Roman" panose="02020603050405020304" pitchFamily="18" charset="0"/>
+              </a:rPr>
+              <a:t>(Normalized by pooled sample std)</a:t>
+            </a:r>
+          </a:p>
+        </p:txBody>
+      </p:sp>
+      <p:sp>
+        <p:nvSpPr>
+          <p:cNvPr id="18" name="TextBox 17">
+            <a:extLst>
+              <a:ext uri="{FF2B5EF4-FFF2-40B4-BE49-F238E27FC236}">
+                <a16:creationId xmlns:a16="http://schemas.microsoft.com/office/drawing/2014/main" id="{94443A90-9F23-48D3-ADC4-7FB8218DE666}"/>
+              </a:ext>
+            </a:extLst>
+          </p:cNvPr>
+          <p:cNvSpPr txBox="1"/>
+          <p:nvPr/>
+        </p:nvSpPr>
+        <p:spPr>
+          <a:xfrm>
+            <a:off x="1012189" y="653426"/>
+            <a:ext cx="2363804" cy="492443"/>
+          </a:xfrm>
+          <a:prstGeom prst="rect">
+            <a:avLst/>
+          </a:prstGeom>
+          <a:noFill/>
+        </p:spPr>
+        <p:txBody>
+          <a:bodyPr wrap="square" rtlCol="0">
+            <a:spAutoFit/>
+          </a:bodyPr>
+          <a:lstStyle/>
+          <a:p>
+            <a:pPr algn="ctr"/>
+            <a:r>
+              <a:rPr lang="en-US" sz="1400" b="1" dirty="0">
+                <a:latin typeface="Times New Roman" panose="02020603050405020304" pitchFamily="18" charset="0"/>
+                <a:cs typeface="Times New Roman" panose="02020603050405020304" pitchFamily="18" charset="0"/>
+              </a:rPr>
+              <a:t>All Experts vs. All Novices</a:t>
+            </a:r>
+          </a:p>
+          <a:p>
+            <a:pPr algn="ctr"/>
+            <a:r>
+              <a:rPr lang="en-US" sz="1200" dirty="0">
+                <a:latin typeface="Times New Roman" panose="02020603050405020304" pitchFamily="18" charset="0"/>
+                <a:cs typeface="Times New Roman" panose="02020603050405020304" pitchFamily="18" charset="0"/>
+              </a:rPr>
+              <a:t>(Raw Scale)</a:t>
+            </a:r>
+          </a:p>
+        </p:txBody>
+      </p:sp>
+      <p:sp>
+        <p:nvSpPr>
+          <p:cNvPr id="25" name="TextBox 24">
+            <a:extLst>
+              <a:ext uri="{FF2B5EF4-FFF2-40B4-BE49-F238E27FC236}">
+                <a16:creationId xmlns:a16="http://schemas.microsoft.com/office/drawing/2014/main" id="{D64DB267-4326-4804-AE5E-39F7F3DCFB83}"/>
+              </a:ext>
+            </a:extLst>
+          </p:cNvPr>
+          <p:cNvSpPr txBox="1"/>
+          <p:nvPr/>
+        </p:nvSpPr>
+        <p:spPr>
+          <a:xfrm>
+            <a:off x="5440383" y="3662385"/>
+            <a:ext cx="2363804" cy="492443"/>
+          </a:xfrm>
+          <a:prstGeom prst="rect">
+            <a:avLst/>
+          </a:prstGeom>
+          <a:noFill/>
+        </p:spPr>
+        <p:txBody>
+          <a:bodyPr wrap="square" rtlCol="0">
+            <a:spAutoFit/>
+          </a:bodyPr>
+          <a:lstStyle/>
+          <a:p>
+            <a:pPr algn="ctr"/>
+            <a:r>
+              <a:rPr lang="en-US" sz="1400" b="1" dirty="0">
+                <a:latin typeface="Times New Roman" panose="02020603050405020304" pitchFamily="18" charset="0"/>
+                <a:cs typeface="Times New Roman" panose="02020603050405020304" pitchFamily="18" charset="0"/>
+              </a:rPr>
+              <a:t>All Experts vs. All Novices</a:t>
+            </a:r>
+          </a:p>
+          <a:p>
+            <a:pPr algn="ctr"/>
+            <a:r>
+              <a:rPr lang="en-US" sz="1200" dirty="0">
+                <a:latin typeface="Times New Roman" panose="02020603050405020304" pitchFamily="18" charset="0"/>
+                <a:cs typeface="Times New Roman" panose="02020603050405020304" pitchFamily="18" charset="0"/>
+              </a:rPr>
+              <a:t>(Normalized by pooled sample std)</a:t>
+            </a:r>
+          </a:p>
+        </p:txBody>
+      </p:sp>
+      <p:sp>
+        <p:nvSpPr>
+          <p:cNvPr id="26" name="TextBox 25">
+            <a:extLst>
+              <a:ext uri="{FF2B5EF4-FFF2-40B4-BE49-F238E27FC236}">
+                <a16:creationId xmlns:a16="http://schemas.microsoft.com/office/drawing/2014/main" id="{03B7227A-6894-47B0-87F2-115BD200C204}"/>
+              </a:ext>
+            </a:extLst>
+          </p:cNvPr>
+          <p:cNvSpPr txBox="1"/>
+          <p:nvPr/>
+        </p:nvSpPr>
+        <p:spPr>
+          <a:xfrm>
+            <a:off x="543394" y="3662385"/>
+            <a:ext cx="3301394" cy="492443"/>
+          </a:xfrm>
+          <a:prstGeom prst="rect">
+            <a:avLst/>
+          </a:prstGeom>
+          <a:noFill/>
+        </p:spPr>
+        <p:txBody>
+          <a:bodyPr wrap="square" rtlCol="0">
+            <a:spAutoFit/>
+          </a:bodyPr>
+          <a:lstStyle/>
+          <a:p>
+            <a:pPr algn="ctr"/>
+            <a:r>
+              <a:rPr lang="en-US" sz="1400" b="1" dirty="0">
+                <a:latin typeface="Times New Roman" panose="02020603050405020304" pitchFamily="18" charset="0"/>
+                <a:cs typeface="Times New Roman" panose="02020603050405020304" pitchFamily="18" charset="0"/>
+              </a:rPr>
+              <a:t>Meditating Experts vs. Resting Novices</a:t>
+            </a:r>
+          </a:p>
+          <a:p>
+            <a:pPr algn="ctr"/>
+            <a:r>
+              <a:rPr lang="en-US" sz="1200" dirty="0">
+                <a:latin typeface="Times New Roman" panose="02020603050405020304" pitchFamily="18" charset="0"/>
+                <a:cs typeface="Times New Roman" panose="02020603050405020304" pitchFamily="18" charset="0"/>
+              </a:rPr>
+              <a:t>(Raw Scale)</a:t>
+            </a:r>
+          </a:p>
+        </p:txBody>
+      </p:sp>
+      <p:pic>
+        <p:nvPicPr>
+          <p:cNvPr id="6" name="Picture 5" descr="A picture containing drawing&#10;&#10;Description automatically generated">
+            <a:extLst>
+              <a:ext uri="{FF2B5EF4-FFF2-40B4-BE49-F238E27FC236}">
+                <a16:creationId xmlns:a16="http://schemas.microsoft.com/office/drawing/2014/main" id="{0BA70EC1-E397-4AC0-9756-055E8B3A11BD}"/>
+              </a:ext>
+            </a:extLst>
+          </p:cNvPr>
+          <p:cNvPicPr>
+            <a:picLocks noChangeAspect="1"/>
+          </p:cNvPicPr>
+          <p:nvPr/>
+        </p:nvPicPr>
+        <p:blipFill>
+          <a:blip r:embed="rId2">
+            <a:extLst>
+              <a:ext uri="{28A0092B-C50C-407E-A947-70E740481C1C}">
+                <a14:useLocalDpi xmlns:a14="http://schemas.microsoft.com/office/drawing/2010/main" val="0"/>
+              </a:ext>
+            </a:extLst>
+          </a:blip>
+          <a:stretch>
+            <a:fillRect/>
+          </a:stretch>
+        </p:blipFill>
+        <p:spPr>
+          <a:xfrm>
+            <a:off x="8447895" y="1145869"/>
+            <a:ext cx="613575" cy="2404100"/>
+          </a:xfrm>
+          <a:prstGeom prst="rect">
+            <a:avLst/>
+          </a:prstGeom>
+        </p:spPr>
+      </p:pic>
+      <p:pic>
+        <p:nvPicPr>
+          <p:cNvPr id="8" name="Picture 7" descr="A picture containing clock&#10;&#10;Description automatically generated">
+            <a:extLst>
+              <a:ext uri="{FF2B5EF4-FFF2-40B4-BE49-F238E27FC236}">
+                <a16:creationId xmlns:a16="http://schemas.microsoft.com/office/drawing/2014/main" id="{ABDF5EED-773E-41BB-90D2-F4D52564B0B2}"/>
+              </a:ext>
+            </a:extLst>
+          </p:cNvPr>
+          <p:cNvPicPr>
+            <a:picLocks noChangeAspect="1"/>
+          </p:cNvPicPr>
+          <p:nvPr/>
+        </p:nvPicPr>
+        <p:blipFill>
+          <a:blip r:embed="rId3">
+            <a:extLst>
+              <a:ext uri="{28A0092B-C50C-407E-A947-70E740481C1C}">
+                <a14:useLocalDpi xmlns:a14="http://schemas.microsoft.com/office/drawing/2010/main" val="0"/>
+              </a:ext>
+            </a:extLst>
+          </a:blip>
+          <a:stretch>
+            <a:fillRect/>
+          </a:stretch>
+        </p:blipFill>
+        <p:spPr>
+          <a:xfrm>
+            <a:off x="8447895" y="4098617"/>
+            <a:ext cx="613575" cy="2404100"/>
+          </a:xfrm>
+          <a:prstGeom prst="rect">
+            <a:avLst/>
+          </a:prstGeom>
+        </p:spPr>
+      </p:pic>
+      <p:pic>
+        <p:nvPicPr>
+          <p:cNvPr id="10" name="Picture 9" descr="A picture containing holding, people, food, man&#10;&#10;Description automatically generated">
+            <a:extLst>
+              <a:ext uri="{FF2B5EF4-FFF2-40B4-BE49-F238E27FC236}">
+                <a16:creationId xmlns:a16="http://schemas.microsoft.com/office/drawing/2014/main" id="{ED9E4102-BB23-4810-84F4-C8FE5493B286}"/>
+              </a:ext>
+            </a:extLst>
+          </p:cNvPr>
+          <p:cNvPicPr>
+            <a:picLocks noChangeAspect="1"/>
+          </p:cNvPicPr>
+          <p:nvPr/>
+        </p:nvPicPr>
+        <p:blipFill>
+          <a:blip r:embed="rId4">
+            <a:extLst>
+              <a:ext uri="{28A0092B-C50C-407E-A947-70E740481C1C}">
+                <a14:useLocalDpi xmlns:a14="http://schemas.microsoft.com/office/drawing/2010/main" val="0"/>
+              </a:ext>
+            </a:extLst>
+          </a:blip>
+          <a:stretch>
+            <a:fillRect/>
+          </a:stretch>
+        </p:blipFill>
+        <p:spPr>
+          <a:xfrm>
+            <a:off x="368481" y="4096874"/>
+            <a:ext cx="3651221" cy="2405843"/>
+          </a:xfrm>
+          <a:prstGeom prst="rect">
+            <a:avLst/>
+          </a:prstGeom>
+        </p:spPr>
+      </p:pic>
+      <p:pic>
+        <p:nvPicPr>
+          <p:cNvPr id="12" name="Picture 11" descr="A picture containing food&#10;&#10;Description automatically generated">
+            <a:extLst>
+              <a:ext uri="{FF2B5EF4-FFF2-40B4-BE49-F238E27FC236}">
+                <a16:creationId xmlns:a16="http://schemas.microsoft.com/office/drawing/2014/main" id="{4DC4D46C-C9D9-4E27-B877-22C351F65A50}"/>
+              </a:ext>
+            </a:extLst>
+          </p:cNvPr>
+          <p:cNvPicPr>
+            <a:picLocks noChangeAspect="1"/>
+          </p:cNvPicPr>
+          <p:nvPr/>
+        </p:nvPicPr>
+        <p:blipFill>
+          <a:blip r:embed="rId5">
+            <a:extLst>
+              <a:ext uri="{28A0092B-C50C-407E-A947-70E740481C1C}">
+                <a14:useLocalDpi xmlns:a14="http://schemas.microsoft.com/office/drawing/2010/main" val="0"/>
+              </a:ext>
+            </a:extLst>
+          </a:blip>
+          <a:stretch>
+            <a:fillRect/>
+          </a:stretch>
+        </p:blipFill>
+        <p:spPr>
+          <a:xfrm>
+            <a:off x="4796675" y="4154828"/>
+            <a:ext cx="3651221" cy="2405843"/>
+          </a:xfrm>
+          <a:prstGeom prst="rect">
+            <a:avLst/>
+          </a:prstGeom>
+        </p:spPr>
+      </p:pic>
+      <p:pic>
+        <p:nvPicPr>
+          <p:cNvPr id="15" name="Picture 14" descr="A picture containing drawing&#10;&#10;Description automatically generated">
+            <a:extLst>
+              <a:ext uri="{FF2B5EF4-FFF2-40B4-BE49-F238E27FC236}">
+                <a16:creationId xmlns:a16="http://schemas.microsoft.com/office/drawing/2014/main" id="{8C14C6DF-8ED5-49D4-B258-98E311310898}"/>
+              </a:ext>
+            </a:extLst>
+          </p:cNvPr>
+          <p:cNvPicPr>
+            <a:picLocks noChangeAspect="1"/>
+          </p:cNvPicPr>
+          <p:nvPr/>
+        </p:nvPicPr>
+        <p:blipFill>
+          <a:blip r:embed="rId6">
+            <a:extLst>
+              <a:ext uri="{28A0092B-C50C-407E-A947-70E740481C1C}">
+                <a14:useLocalDpi xmlns:a14="http://schemas.microsoft.com/office/drawing/2010/main" val="0"/>
+              </a:ext>
+            </a:extLst>
+          </a:blip>
+          <a:stretch>
+            <a:fillRect/>
+          </a:stretch>
+        </p:blipFill>
+        <p:spPr>
+          <a:xfrm>
+            <a:off x="4019701" y="4096874"/>
+            <a:ext cx="613575" cy="2404100"/>
+          </a:xfrm>
+          <a:prstGeom prst="rect">
+            <a:avLst/>
+          </a:prstGeom>
+        </p:spPr>
+      </p:pic>
+      <p:pic>
+        <p:nvPicPr>
+          <p:cNvPr id="29" name="Picture 28" descr="A picture containing drawing&#10;&#10;Description automatically generated">
+            <a:extLst>
+              <a:ext uri="{FF2B5EF4-FFF2-40B4-BE49-F238E27FC236}">
+                <a16:creationId xmlns:a16="http://schemas.microsoft.com/office/drawing/2014/main" id="{B828C663-0039-45EF-9FEF-FBE0703E75C8}"/>
+              </a:ext>
+            </a:extLst>
+          </p:cNvPr>
+          <p:cNvPicPr>
+            <a:picLocks noChangeAspect="1"/>
+          </p:cNvPicPr>
+          <p:nvPr/>
+        </p:nvPicPr>
+        <p:blipFill>
+          <a:blip r:embed="rId6">
+            <a:extLst>
+              <a:ext uri="{28A0092B-C50C-407E-A947-70E740481C1C}">
+                <a14:useLocalDpi xmlns:a14="http://schemas.microsoft.com/office/drawing/2010/main" val="0"/>
+              </a:ext>
+            </a:extLst>
+          </a:blip>
+          <a:stretch>
+            <a:fillRect/>
+          </a:stretch>
+        </p:blipFill>
+        <p:spPr>
+          <a:xfrm>
+            <a:off x="4019701" y="1152084"/>
+            <a:ext cx="613575" cy="2404100"/>
+          </a:xfrm>
+          <a:prstGeom prst="rect">
+            <a:avLst/>
+          </a:prstGeom>
+        </p:spPr>
+      </p:pic>
+      <p:pic>
+        <p:nvPicPr>
+          <p:cNvPr id="19" name="Picture 18" descr="A picture containing holding, people, man, food&#10;&#10;Description automatically generated">
+            <a:extLst>
+              <a:ext uri="{FF2B5EF4-FFF2-40B4-BE49-F238E27FC236}">
+                <a16:creationId xmlns:a16="http://schemas.microsoft.com/office/drawing/2014/main" id="{0AEBF584-3F23-4F59-AC80-2067622EFB18}"/>
+              </a:ext>
+            </a:extLst>
+          </p:cNvPr>
+          <p:cNvPicPr>
+            <a:picLocks noChangeAspect="1"/>
+          </p:cNvPicPr>
+          <p:nvPr/>
+        </p:nvPicPr>
+        <p:blipFill>
+          <a:blip r:embed="rId7">
+            <a:extLst>
+              <a:ext uri="{28A0092B-C50C-407E-A947-70E740481C1C}">
+                <a14:useLocalDpi xmlns:a14="http://schemas.microsoft.com/office/drawing/2010/main" val="0"/>
+              </a:ext>
+            </a:extLst>
+          </a:blip>
+          <a:stretch>
+            <a:fillRect/>
+          </a:stretch>
+        </p:blipFill>
+        <p:spPr>
+          <a:xfrm>
+            <a:off x="193566" y="1144997"/>
+            <a:ext cx="3651222" cy="2405844"/>
+          </a:xfrm>
+          <a:prstGeom prst="rect">
+            <a:avLst/>
+          </a:prstGeom>
+        </p:spPr>
+      </p:pic>
+      <p:pic>
+        <p:nvPicPr>
+          <p:cNvPr id="27" name="Picture 26" descr="A picture containing food&#10;&#10;Description automatically generated">
+            <a:extLst>
+              <a:ext uri="{FF2B5EF4-FFF2-40B4-BE49-F238E27FC236}">
+                <a16:creationId xmlns:a16="http://schemas.microsoft.com/office/drawing/2014/main" id="{BFD1C24E-7E85-403B-A89D-1945B01B6147}"/>
+              </a:ext>
+            </a:extLst>
+          </p:cNvPr>
+          <p:cNvPicPr>
+            <a:picLocks noChangeAspect="1"/>
+          </p:cNvPicPr>
+          <p:nvPr/>
+        </p:nvPicPr>
+        <p:blipFill>
+          <a:blip r:embed="rId8">
+            <a:extLst>
+              <a:ext uri="{28A0092B-C50C-407E-A947-70E740481C1C}">
+                <a14:useLocalDpi xmlns:a14="http://schemas.microsoft.com/office/drawing/2010/main" val="0"/>
+              </a:ext>
+            </a:extLst>
+          </a:blip>
+          <a:stretch>
+            <a:fillRect/>
+          </a:stretch>
+        </p:blipFill>
+        <p:spPr>
+          <a:xfrm>
+            <a:off x="4796673" y="1152084"/>
+            <a:ext cx="3651222" cy="2405844"/>
+          </a:xfrm>
+          <a:prstGeom prst="rect">
+            <a:avLst/>
+          </a:prstGeom>
+        </p:spPr>
+      </p:pic>
+    </p:spTree>
+    <p:extLst>
+      <p:ext uri="{BB962C8B-B14F-4D97-AF65-F5344CB8AC3E}">
+        <p14:creationId xmlns:p14="http://schemas.microsoft.com/office/powerpoint/2010/main" val="3266367865"/>
       </p:ext>
     </p:extLst>
   </p:cSld>
